--- a/mysite4.pptx
+++ b/mysite4.pptx
@@ -260,7 +260,7 @@
           <a:p>
             <a:fld id="{B11285A2-1005-48A5-A003-079F2032A857}" type="datetimeFigureOut">
               <a:rPr lang="ko-KR" altLang="en-US" smtClean="0"/>
-              <a:t>2022-06-17</a:t>
+              <a:t>2022-06-23</a:t>
             </a:fld>
             <a:endParaRPr lang="ko-KR" altLang="en-US"/>
           </a:p>
@@ -458,7 +458,7 @@
           <a:p>
             <a:fld id="{B11285A2-1005-48A5-A003-079F2032A857}" type="datetimeFigureOut">
               <a:rPr lang="ko-KR" altLang="en-US" smtClean="0"/>
-              <a:t>2022-06-17</a:t>
+              <a:t>2022-06-23</a:t>
             </a:fld>
             <a:endParaRPr lang="ko-KR" altLang="en-US"/>
           </a:p>
@@ -666,7 +666,7 @@
           <a:p>
             <a:fld id="{B11285A2-1005-48A5-A003-079F2032A857}" type="datetimeFigureOut">
               <a:rPr lang="ko-KR" altLang="en-US" smtClean="0"/>
-              <a:t>2022-06-17</a:t>
+              <a:t>2022-06-23</a:t>
             </a:fld>
             <a:endParaRPr lang="ko-KR" altLang="en-US"/>
           </a:p>
@@ -864,7 +864,7 @@
           <a:p>
             <a:fld id="{B11285A2-1005-48A5-A003-079F2032A857}" type="datetimeFigureOut">
               <a:rPr lang="ko-KR" altLang="en-US" smtClean="0"/>
-              <a:t>2022-06-17</a:t>
+              <a:t>2022-06-23</a:t>
             </a:fld>
             <a:endParaRPr lang="ko-KR" altLang="en-US"/>
           </a:p>
@@ -1139,7 +1139,7 @@
           <a:p>
             <a:fld id="{B11285A2-1005-48A5-A003-079F2032A857}" type="datetimeFigureOut">
               <a:rPr lang="ko-KR" altLang="en-US" smtClean="0"/>
-              <a:t>2022-06-17</a:t>
+              <a:t>2022-06-23</a:t>
             </a:fld>
             <a:endParaRPr lang="ko-KR" altLang="en-US"/>
           </a:p>
@@ -1404,7 +1404,7 @@
           <a:p>
             <a:fld id="{B11285A2-1005-48A5-A003-079F2032A857}" type="datetimeFigureOut">
               <a:rPr lang="ko-KR" altLang="en-US" smtClean="0"/>
-              <a:t>2022-06-17</a:t>
+              <a:t>2022-06-23</a:t>
             </a:fld>
             <a:endParaRPr lang="ko-KR" altLang="en-US"/>
           </a:p>
@@ -1816,7 +1816,7 @@
           <a:p>
             <a:fld id="{B11285A2-1005-48A5-A003-079F2032A857}" type="datetimeFigureOut">
               <a:rPr lang="ko-KR" altLang="en-US" smtClean="0"/>
-              <a:t>2022-06-17</a:t>
+              <a:t>2022-06-23</a:t>
             </a:fld>
             <a:endParaRPr lang="ko-KR" altLang="en-US"/>
           </a:p>
@@ -1957,7 +1957,7 @@
           <a:p>
             <a:fld id="{B11285A2-1005-48A5-A003-079F2032A857}" type="datetimeFigureOut">
               <a:rPr lang="ko-KR" altLang="en-US" smtClean="0"/>
-              <a:t>2022-06-17</a:t>
+              <a:t>2022-06-23</a:t>
             </a:fld>
             <a:endParaRPr lang="ko-KR" altLang="en-US"/>
           </a:p>
@@ -2070,7 +2070,7 @@
           <a:p>
             <a:fld id="{B11285A2-1005-48A5-A003-079F2032A857}" type="datetimeFigureOut">
               <a:rPr lang="ko-KR" altLang="en-US" smtClean="0"/>
-              <a:t>2022-06-17</a:t>
+              <a:t>2022-06-23</a:t>
             </a:fld>
             <a:endParaRPr lang="ko-KR" altLang="en-US"/>
           </a:p>
@@ -2381,7 +2381,7 @@
           <a:p>
             <a:fld id="{B11285A2-1005-48A5-A003-079F2032A857}" type="datetimeFigureOut">
               <a:rPr lang="ko-KR" altLang="en-US" smtClean="0"/>
-              <a:t>2022-06-17</a:t>
+              <a:t>2022-06-23</a:t>
             </a:fld>
             <a:endParaRPr lang="ko-KR" altLang="en-US"/>
           </a:p>
@@ -2669,7 +2669,7 @@
           <a:p>
             <a:fld id="{B11285A2-1005-48A5-A003-079F2032A857}" type="datetimeFigureOut">
               <a:rPr lang="ko-KR" altLang="en-US" smtClean="0"/>
-              <a:t>2022-06-17</a:t>
+              <a:t>2022-06-23</a:t>
             </a:fld>
             <a:endParaRPr lang="ko-KR" altLang="en-US"/>
           </a:p>
@@ -2910,7 +2910,7 @@
           <a:p>
             <a:fld id="{B11285A2-1005-48A5-A003-079F2032A857}" type="datetimeFigureOut">
               <a:rPr lang="ko-KR" altLang="en-US" smtClean="0"/>
-              <a:t>2022-06-17</a:t>
+              <a:t>2022-06-23</a:t>
             </a:fld>
             <a:endParaRPr lang="ko-KR" altLang="en-US"/>
           </a:p>
@@ -4676,12 +4676,8 @@
           <a:lstStyle/>
           <a:p>
             <a:r>
-              <a:rPr lang="en-US" altLang="ko-KR" sz="1100"/>
-              <a:t>joinOk.</a:t>
-            </a:r>
-            <a:r>
               <a:rPr lang="en-US" altLang="ko-KR" sz="1100" dirty="0" err="1"/>
-              <a:t>jsp</a:t>
+              <a:t>joinOk.jsp</a:t>
             </a:r>
             <a:endParaRPr lang="ko-KR" altLang="en-US" sz="1100" dirty="0">
               <a:solidFill>
@@ -4942,6 +4938,24 @@
                 <a:latin typeface="+mn-ea"/>
               </a:rPr>
               <a:t>Mysite4 &gt; </a:t>
+            </a:r>
+            <a:r>
+              <a:rPr lang="en-US" altLang="ko-KR" sz="1000" b="1" dirty="0" err="1">
+                <a:solidFill>
+                  <a:schemeClr val="bg1"/>
+                </a:solidFill>
+                <a:latin typeface="+mn-ea"/>
+              </a:rPr>
+              <a:t>writeForm</a:t>
+            </a:r>
+            <a:r>
+              <a:rPr lang="en-US" altLang="ko-KR" sz="1000" b="1" dirty="0">
+                <a:solidFill>
+                  <a:schemeClr val="bg1"/>
+                </a:solidFill>
+                <a:latin typeface="+mn-ea"/>
+              </a:rPr>
+              <a:t> </a:t>
             </a:r>
             <a:endParaRPr lang="ko-KR" altLang="en-US" sz="1000" b="1" dirty="0">
               <a:solidFill>
@@ -5194,7 +5208,7 @@
                 </a:solidFill>
                 <a:latin typeface="+mn-ea"/>
               </a:rPr>
-              <a:t>Mysite4 &gt; </a:t>
+              <a:t>Mysite4 &gt;  </a:t>
             </a:r>
             <a:endParaRPr lang="ko-KR" altLang="en-US" sz="1000" b="1" dirty="0">
               <a:solidFill>
@@ -5373,7 +5387,7 @@
         <p:spPr>
           <a:xfrm>
             <a:off x="1254362" y="5028574"/>
-            <a:ext cx="659155" cy="261610"/>
+            <a:ext cx="585417" cy="261610"/>
           </a:xfrm>
           <a:prstGeom prst="rect">
             <a:avLst/>
@@ -5392,7 +5406,7 @@
                   <a:srgbClr val="FF0000"/>
                 </a:solidFill>
               </a:rPr>
-              <a:t>/delete</a:t>
+              <a:t>/write</a:t>
             </a:r>
             <a:endParaRPr lang="ko-KR" altLang="en-US" sz="1100" b="1" dirty="0">
               <a:solidFill>
@@ -6190,6 +6204,979 @@
               <a:t>0x555</a:t>
             </a:r>
             <a:endParaRPr lang="en-US" altLang="ko-KR" sz="1100" dirty="0"/>
+          </a:p>
+        </p:txBody>
+      </p:sp>
+      <p:sp>
+        <p:nvSpPr>
+          <p:cNvPr id="68" name="TextBox 67">
+            <a:extLst>
+              <a:ext uri="{FF2B5EF4-FFF2-40B4-BE49-F238E27FC236}">
+                <a16:creationId xmlns:a16="http://schemas.microsoft.com/office/drawing/2014/main" id="{E38BC139-4620-3C61-5EEB-5B2B47C5BF8F}"/>
+              </a:ext>
+            </a:extLst>
+          </p:cNvPr>
+          <p:cNvSpPr txBox="1"/>
+          <p:nvPr/>
+        </p:nvSpPr>
+        <p:spPr>
+          <a:xfrm>
+            <a:off x="1029040" y="3653693"/>
+            <a:ext cx="933269" cy="261610"/>
+          </a:xfrm>
+          <a:prstGeom prst="rect">
+            <a:avLst/>
+          </a:prstGeom>
+          <a:noFill/>
+        </p:spPr>
+        <p:txBody>
+          <a:bodyPr wrap="none" rtlCol="0">
+            <a:spAutoFit/>
+          </a:bodyPr>
+          <a:lstStyle/>
+          <a:p>
+            <a:r>
+              <a:rPr lang="en-US" altLang="ko-KR" sz="1100" b="1" dirty="0">
+                <a:solidFill>
+                  <a:srgbClr val="FF0000"/>
+                </a:solidFill>
+              </a:rPr>
+              <a:t>/</a:t>
+            </a:r>
+            <a:r>
+              <a:rPr lang="en-US" altLang="ko-KR" sz="1100" b="1" dirty="0" err="1">
+                <a:solidFill>
+                  <a:srgbClr val="FF0000"/>
+                </a:solidFill>
+              </a:rPr>
+              <a:t>writeForm</a:t>
+            </a:r>
+            <a:endParaRPr lang="ko-KR" altLang="en-US" sz="1100" b="1" dirty="0">
+              <a:solidFill>
+                <a:srgbClr val="FF0000"/>
+              </a:solidFill>
+            </a:endParaRPr>
+          </a:p>
+        </p:txBody>
+      </p:sp>
+      <p:cxnSp>
+        <p:nvCxnSpPr>
+          <p:cNvPr id="69" name="직선 화살표 연결선 68">
+            <a:extLst>
+              <a:ext uri="{FF2B5EF4-FFF2-40B4-BE49-F238E27FC236}">
+                <a16:creationId xmlns:a16="http://schemas.microsoft.com/office/drawing/2014/main" id="{6E1598BE-54F3-BAD3-7A54-831B1CD106FA}"/>
+              </a:ext>
+            </a:extLst>
+          </p:cNvPr>
+          <p:cNvCxnSpPr>
+            <a:cxnSpLocks/>
+          </p:cNvCxnSpPr>
+          <p:nvPr/>
+        </p:nvCxnSpPr>
+        <p:spPr>
+          <a:xfrm>
+            <a:off x="1114103" y="3976257"/>
+            <a:ext cx="3819525" cy="0"/>
+          </a:xfrm>
+          <a:prstGeom prst="straightConnector1">
+            <a:avLst/>
+          </a:prstGeom>
+          <a:ln w="19050">
+            <a:tailEnd type="triangle"/>
+          </a:ln>
+        </p:spPr>
+        <p:style>
+          <a:lnRef idx="1">
+            <a:schemeClr val="accent1"/>
+          </a:lnRef>
+          <a:fillRef idx="0">
+            <a:schemeClr val="accent1"/>
+          </a:fillRef>
+          <a:effectRef idx="0">
+            <a:schemeClr val="accent1"/>
+          </a:effectRef>
+          <a:fontRef idx="minor">
+            <a:schemeClr val="tx1"/>
+          </a:fontRef>
+        </p:style>
+      </p:cxnSp>
+      <p:sp>
+        <p:nvSpPr>
+          <p:cNvPr id="70" name="TextBox 69">
+            <a:extLst>
+              <a:ext uri="{FF2B5EF4-FFF2-40B4-BE49-F238E27FC236}">
+                <a16:creationId xmlns:a16="http://schemas.microsoft.com/office/drawing/2014/main" id="{91B87932-98F8-9636-B4FE-AC8F6BDB6BE7}"/>
+              </a:ext>
+            </a:extLst>
+          </p:cNvPr>
+          <p:cNvSpPr txBox="1"/>
+          <p:nvPr/>
+        </p:nvSpPr>
+        <p:spPr>
+          <a:xfrm>
+            <a:off x="4491024" y="3510673"/>
+            <a:ext cx="933269" cy="261610"/>
+          </a:xfrm>
+          <a:prstGeom prst="rect">
+            <a:avLst/>
+          </a:prstGeom>
+          <a:noFill/>
+        </p:spPr>
+        <p:txBody>
+          <a:bodyPr wrap="none" rtlCol="0">
+            <a:spAutoFit/>
+          </a:bodyPr>
+          <a:lstStyle/>
+          <a:p>
+            <a:r>
+              <a:rPr lang="en-US" altLang="ko-KR" sz="1100" b="1" dirty="0">
+                <a:solidFill>
+                  <a:srgbClr val="FF0000"/>
+                </a:solidFill>
+              </a:rPr>
+              <a:t>/</a:t>
+            </a:r>
+            <a:r>
+              <a:rPr lang="en-US" altLang="ko-KR" sz="1100" b="1" dirty="0" err="1">
+                <a:solidFill>
+                  <a:srgbClr val="FF0000"/>
+                </a:solidFill>
+              </a:rPr>
+              <a:t>writeForm</a:t>
+            </a:r>
+            <a:endParaRPr lang="ko-KR" altLang="en-US" sz="1100" dirty="0"/>
+          </a:p>
+        </p:txBody>
+      </p:sp>
+      <p:cxnSp>
+        <p:nvCxnSpPr>
+          <p:cNvPr id="71" name="직선 화살표 연결선 70">
+            <a:extLst>
+              <a:ext uri="{FF2B5EF4-FFF2-40B4-BE49-F238E27FC236}">
+                <a16:creationId xmlns:a16="http://schemas.microsoft.com/office/drawing/2014/main" id="{CACD1DCB-3EC4-34B0-3E16-2668120BDB07}"/>
+              </a:ext>
+            </a:extLst>
+          </p:cNvPr>
+          <p:cNvCxnSpPr>
+            <a:cxnSpLocks/>
+          </p:cNvCxnSpPr>
+          <p:nvPr/>
+        </p:nvCxnSpPr>
+        <p:spPr>
+          <a:xfrm flipH="1">
+            <a:off x="3803632" y="4093246"/>
+            <a:ext cx="1126470" cy="0"/>
+          </a:xfrm>
+          <a:prstGeom prst="straightConnector1">
+            <a:avLst/>
+          </a:prstGeom>
+          <a:ln w="19050">
+            <a:tailEnd type="triangle"/>
+          </a:ln>
+        </p:spPr>
+        <p:style>
+          <a:lnRef idx="1">
+            <a:schemeClr val="accent1"/>
+          </a:lnRef>
+          <a:fillRef idx="0">
+            <a:schemeClr val="accent1"/>
+          </a:fillRef>
+          <a:effectRef idx="0">
+            <a:schemeClr val="accent1"/>
+          </a:effectRef>
+          <a:fontRef idx="minor">
+            <a:schemeClr val="tx1"/>
+          </a:fontRef>
+        </p:style>
+      </p:cxnSp>
+      <p:sp>
+        <p:nvSpPr>
+          <p:cNvPr id="74" name="TextBox 73">
+            <a:extLst>
+              <a:ext uri="{FF2B5EF4-FFF2-40B4-BE49-F238E27FC236}">
+                <a16:creationId xmlns:a16="http://schemas.microsoft.com/office/drawing/2014/main" id="{C359C59B-CEA8-C3E6-D6CE-E84A58BC4C16}"/>
+              </a:ext>
+            </a:extLst>
+          </p:cNvPr>
+          <p:cNvSpPr txBox="1"/>
+          <p:nvPr/>
+        </p:nvSpPr>
+        <p:spPr>
+          <a:xfrm>
+            <a:off x="2767014" y="4073241"/>
+            <a:ext cx="1037463" cy="261610"/>
+          </a:xfrm>
+          <a:prstGeom prst="rect">
+            <a:avLst/>
+          </a:prstGeom>
+          <a:noFill/>
+        </p:spPr>
+        <p:txBody>
+          <a:bodyPr wrap="none" rtlCol="0">
+            <a:spAutoFit/>
+          </a:bodyPr>
+          <a:lstStyle/>
+          <a:p>
+            <a:r>
+              <a:rPr lang="en-US" altLang="ko-KR" sz="1100" dirty="0" err="1"/>
+              <a:t>writeForm.jsp</a:t>
+            </a:r>
+            <a:endParaRPr lang="ko-KR" altLang="en-US" sz="1100" dirty="0">
+              <a:solidFill>
+                <a:schemeClr val="bg1">
+                  <a:lumMod val="50000"/>
+                </a:schemeClr>
+              </a:solidFill>
+            </a:endParaRPr>
+          </a:p>
+        </p:txBody>
+      </p:sp>
+      <p:cxnSp>
+        <p:nvCxnSpPr>
+          <p:cNvPr id="75" name="직선 화살표 연결선 74">
+            <a:extLst>
+              <a:ext uri="{FF2B5EF4-FFF2-40B4-BE49-F238E27FC236}">
+                <a16:creationId xmlns:a16="http://schemas.microsoft.com/office/drawing/2014/main" id="{C69E9EC8-F427-A117-F915-7AB7105A7E4B}"/>
+              </a:ext>
+            </a:extLst>
+          </p:cNvPr>
+          <p:cNvCxnSpPr>
+            <a:cxnSpLocks/>
+          </p:cNvCxnSpPr>
+          <p:nvPr/>
+        </p:nvCxnSpPr>
+        <p:spPr>
+          <a:xfrm flipH="1">
+            <a:off x="1513215" y="4106861"/>
+            <a:ext cx="1126470" cy="0"/>
+          </a:xfrm>
+          <a:prstGeom prst="straightConnector1">
+            <a:avLst/>
+          </a:prstGeom>
+          <a:ln w="19050">
+            <a:tailEnd type="triangle"/>
+          </a:ln>
+        </p:spPr>
+        <p:style>
+          <a:lnRef idx="1">
+            <a:schemeClr val="accent1"/>
+          </a:lnRef>
+          <a:fillRef idx="0">
+            <a:schemeClr val="accent1"/>
+          </a:fillRef>
+          <a:effectRef idx="0">
+            <a:schemeClr val="accent1"/>
+          </a:effectRef>
+          <a:fontRef idx="minor">
+            <a:schemeClr val="tx1"/>
+          </a:fontRef>
+        </p:style>
+      </p:cxnSp>
+      <p:sp>
+        <p:nvSpPr>
+          <p:cNvPr id="76" name="TextBox 75">
+            <a:extLst>
+              <a:ext uri="{FF2B5EF4-FFF2-40B4-BE49-F238E27FC236}">
+                <a16:creationId xmlns:a16="http://schemas.microsoft.com/office/drawing/2014/main" id="{4DE9F728-EB7F-76BF-F4AF-7C207E6CE8DE}"/>
+              </a:ext>
+            </a:extLst>
+          </p:cNvPr>
+          <p:cNvSpPr txBox="1"/>
+          <p:nvPr/>
+        </p:nvSpPr>
+        <p:spPr>
+          <a:xfrm>
+            <a:off x="1885734" y="4806330"/>
+            <a:ext cx="615874" cy="461665"/>
+          </a:xfrm>
+          <a:prstGeom prst="rect">
+            <a:avLst/>
+          </a:prstGeom>
+          <a:noFill/>
+        </p:spPr>
+        <p:txBody>
+          <a:bodyPr wrap="none" rtlCol="0">
+            <a:spAutoFit/>
+          </a:bodyPr>
+          <a:lstStyle/>
+          <a:p>
+            <a:r>
+              <a:rPr lang="en-US" altLang="ko-KR" sz="800" dirty="0" err="1"/>
+              <a:t>userNo</a:t>
+            </a:r>
+            <a:r>
+              <a:rPr lang="en-US" altLang="ko-KR" sz="800" dirty="0"/>
+              <a:t>=</a:t>
+            </a:r>
+          </a:p>
+          <a:p>
+            <a:r>
+              <a:rPr lang="en-US" altLang="ko-KR" sz="800" dirty="0"/>
+              <a:t>Title=</a:t>
+            </a:r>
+          </a:p>
+          <a:p>
+            <a:r>
+              <a:rPr lang="en-US" altLang="ko-KR" sz="800" dirty="0"/>
+              <a:t>Context=</a:t>
+            </a:r>
+            <a:endParaRPr lang="ko-KR" altLang="en-US" sz="800" dirty="0"/>
+          </a:p>
+        </p:txBody>
+      </p:sp>
+      <p:sp>
+        <p:nvSpPr>
+          <p:cNvPr id="82" name="TextBox 81">
+            <a:extLst>
+              <a:ext uri="{FF2B5EF4-FFF2-40B4-BE49-F238E27FC236}">
+                <a16:creationId xmlns:a16="http://schemas.microsoft.com/office/drawing/2014/main" id="{EFB7DFBF-2592-8D38-7789-44544125FD46}"/>
+              </a:ext>
+            </a:extLst>
+          </p:cNvPr>
+          <p:cNvSpPr txBox="1"/>
+          <p:nvPr/>
+        </p:nvSpPr>
+        <p:spPr>
+          <a:xfrm>
+            <a:off x="4343327" y="4835154"/>
+            <a:ext cx="1164101" cy="430887"/>
+          </a:xfrm>
+          <a:prstGeom prst="rect">
+            <a:avLst/>
+          </a:prstGeom>
+          <a:noFill/>
+        </p:spPr>
+        <p:txBody>
+          <a:bodyPr wrap="none" rtlCol="0">
+            <a:spAutoFit/>
+          </a:bodyPr>
+          <a:lstStyle/>
+          <a:p>
+            <a:r>
+              <a:rPr lang="en-US" altLang="ko-KR" sz="1100" b="1" dirty="0">
+                <a:solidFill>
+                  <a:srgbClr val="FF0000"/>
+                </a:solidFill>
+              </a:rPr>
+              <a:t>/write</a:t>
+            </a:r>
+          </a:p>
+          <a:p>
+            <a:r>
+              <a:rPr lang="en-US" altLang="ko-KR" sz="1100" dirty="0"/>
+              <a:t>write(</a:t>
+            </a:r>
+            <a:r>
+              <a:rPr lang="en-US" altLang="ko-KR" sz="1100" b="1" dirty="0" err="1">
+                <a:solidFill>
+                  <a:srgbClr val="7030A0"/>
+                </a:solidFill>
+              </a:rPr>
+              <a:t>boardVo</a:t>
+            </a:r>
+            <a:r>
+              <a:rPr lang="en-US" altLang="ko-KR" sz="1100" dirty="0"/>
+              <a:t>)</a:t>
+            </a:r>
+            <a:endParaRPr lang="ko-KR" altLang="en-US" sz="1100" dirty="0"/>
+          </a:p>
+        </p:txBody>
+      </p:sp>
+      <p:cxnSp>
+        <p:nvCxnSpPr>
+          <p:cNvPr id="84" name="직선 화살표 연결선 83">
+            <a:extLst>
+              <a:ext uri="{FF2B5EF4-FFF2-40B4-BE49-F238E27FC236}">
+                <a16:creationId xmlns:a16="http://schemas.microsoft.com/office/drawing/2014/main" id="{6CE05043-8BA2-EAC1-3F60-9ED711275C78}"/>
+              </a:ext>
+            </a:extLst>
+          </p:cNvPr>
+          <p:cNvCxnSpPr>
+            <a:cxnSpLocks/>
+          </p:cNvCxnSpPr>
+          <p:nvPr/>
+        </p:nvCxnSpPr>
+        <p:spPr>
+          <a:xfrm>
+            <a:off x="5434879" y="5281326"/>
+            <a:ext cx="1366156" cy="0"/>
+          </a:xfrm>
+          <a:prstGeom prst="straightConnector1">
+            <a:avLst/>
+          </a:prstGeom>
+          <a:ln w="19050">
+            <a:tailEnd type="triangle"/>
+          </a:ln>
+        </p:spPr>
+        <p:style>
+          <a:lnRef idx="1">
+            <a:schemeClr val="accent1"/>
+          </a:lnRef>
+          <a:fillRef idx="0">
+            <a:schemeClr val="accent1"/>
+          </a:fillRef>
+          <a:effectRef idx="0">
+            <a:schemeClr val="accent1"/>
+          </a:effectRef>
+          <a:fontRef idx="minor">
+            <a:schemeClr val="tx1"/>
+          </a:fontRef>
+        </p:style>
+      </p:cxnSp>
+      <p:sp>
+        <p:nvSpPr>
+          <p:cNvPr id="86" name="TextBox 85">
+            <a:extLst>
+              <a:ext uri="{FF2B5EF4-FFF2-40B4-BE49-F238E27FC236}">
+                <a16:creationId xmlns:a16="http://schemas.microsoft.com/office/drawing/2014/main" id="{DA0C9FFA-0BCC-46D1-0D31-343DEA1C42E3}"/>
+              </a:ext>
+            </a:extLst>
+          </p:cNvPr>
+          <p:cNvSpPr txBox="1"/>
+          <p:nvPr/>
+        </p:nvSpPr>
+        <p:spPr>
+          <a:xfrm>
+            <a:off x="5543074" y="4915459"/>
+            <a:ext cx="737702" cy="430887"/>
+          </a:xfrm>
+          <a:prstGeom prst="rect">
+            <a:avLst/>
+          </a:prstGeom>
+          <a:noFill/>
+        </p:spPr>
+        <p:txBody>
+          <a:bodyPr wrap="none" rtlCol="0">
+            <a:spAutoFit/>
+          </a:bodyPr>
+          <a:lstStyle/>
+          <a:p>
+            <a:r>
+              <a:rPr lang="en-US" altLang="ko-KR" sz="1100" dirty="0" err="1"/>
+              <a:t>boardVo</a:t>
+            </a:r>
+            <a:endParaRPr lang="en-US" altLang="ko-KR" sz="1100" dirty="0"/>
+          </a:p>
+          <a:p>
+            <a:r>
+              <a:rPr lang="en-US" altLang="ko-KR" sz="1100" dirty="0">
+                <a:solidFill>
+                  <a:schemeClr val="bg1">
+                    <a:lumMod val="50000"/>
+                  </a:schemeClr>
+                </a:solidFill>
+              </a:rPr>
+              <a:t>0x555</a:t>
+            </a:r>
+            <a:endParaRPr lang="en-US" altLang="ko-KR" sz="1100" dirty="0"/>
+          </a:p>
+        </p:txBody>
+      </p:sp>
+      <p:sp>
+        <p:nvSpPr>
+          <p:cNvPr id="87" name="TextBox 86">
+            <a:extLst>
+              <a:ext uri="{FF2B5EF4-FFF2-40B4-BE49-F238E27FC236}">
+                <a16:creationId xmlns:a16="http://schemas.microsoft.com/office/drawing/2014/main" id="{406CDB25-47A3-93A0-19DF-BC889AF04277}"/>
+              </a:ext>
+            </a:extLst>
+          </p:cNvPr>
+          <p:cNvSpPr txBox="1"/>
+          <p:nvPr/>
+        </p:nvSpPr>
+        <p:spPr>
+          <a:xfrm>
+            <a:off x="6018812" y="4612865"/>
+            <a:ext cx="615874" cy="461665"/>
+          </a:xfrm>
+          <a:prstGeom prst="rect">
+            <a:avLst/>
+          </a:prstGeom>
+          <a:noFill/>
+        </p:spPr>
+        <p:txBody>
+          <a:bodyPr wrap="none" rtlCol="0">
+            <a:spAutoFit/>
+          </a:bodyPr>
+          <a:lstStyle/>
+          <a:p>
+            <a:r>
+              <a:rPr lang="en-US" altLang="ko-KR" sz="800" dirty="0" err="1"/>
+              <a:t>userNo</a:t>
+            </a:r>
+            <a:r>
+              <a:rPr lang="en-US" altLang="ko-KR" sz="800" dirty="0"/>
+              <a:t>=</a:t>
+            </a:r>
+          </a:p>
+          <a:p>
+            <a:r>
+              <a:rPr lang="en-US" altLang="ko-KR" sz="800" dirty="0"/>
+              <a:t>Title=</a:t>
+            </a:r>
+          </a:p>
+          <a:p>
+            <a:r>
+              <a:rPr lang="en-US" altLang="ko-KR" sz="800" dirty="0"/>
+              <a:t>Context=</a:t>
+            </a:r>
+            <a:endParaRPr lang="ko-KR" altLang="en-US" sz="800" dirty="0"/>
+          </a:p>
+        </p:txBody>
+      </p:sp>
+      <p:cxnSp>
+        <p:nvCxnSpPr>
+          <p:cNvPr id="88" name="직선 화살표 연결선 87">
+            <a:extLst>
+              <a:ext uri="{FF2B5EF4-FFF2-40B4-BE49-F238E27FC236}">
+                <a16:creationId xmlns:a16="http://schemas.microsoft.com/office/drawing/2014/main" id="{8E73FE30-3128-75DC-84AE-4FB4D57A9159}"/>
+              </a:ext>
+            </a:extLst>
+          </p:cNvPr>
+          <p:cNvCxnSpPr>
+            <a:cxnSpLocks/>
+          </p:cNvCxnSpPr>
+          <p:nvPr/>
+        </p:nvCxnSpPr>
+        <p:spPr>
+          <a:xfrm>
+            <a:off x="7718424" y="5218561"/>
+            <a:ext cx="1366156" cy="0"/>
+          </a:xfrm>
+          <a:prstGeom prst="straightConnector1">
+            <a:avLst/>
+          </a:prstGeom>
+          <a:ln w="19050">
+            <a:tailEnd type="triangle"/>
+          </a:ln>
+        </p:spPr>
+        <p:style>
+          <a:lnRef idx="1">
+            <a:schemeClr val="accent1"/>
+          </a:lnRef>
+          <a:fillRef idx="0">
+            <a:schemeClr val="accent1"/>
+          </a:fillRef>
+          <a:effectRef idx="0">
+            <a:schemeClr val="accent1"/>
+          </a:effectRef>
+          <a:fontRef idx="minor">
+            <a:schemeClr val="tx1"/>
+          </a:fontRef>
+        </p:style>
+      </p:cxnSp>
+      <p:sp>
+        <p:nvSpPr>
+          <p:cNvPr id="89" name="TextBox 88">
+            <a:extLst>
+              <a:ext uri="{FF2B5EF4-FFF2-40B4-BE49-F238E27FC236}">
+                <a16:creationId xmlns:a16="http://schemas.microsoft.com/office/drawing/2014/main" id="{BBFF02A9-31A7-5C55-C016-1A0A40C6E78E}"/>
+              </a:ext>
+            </a:extLst>
+          </p:cNvPr>
+          <p:cNvSpPr txBox="1"/>
+          <p:nvPr/>
+        </p:nvSpPr>
+        <p:spPr>
+          <a:xfrm>
+            <a:off x="7826619" y="4852694"/>
+            <a:ext cx="737702" cy="430887"/>
+          </a:xfrm>
+          <a:prstGeom prst="rect">
+            <a:avLst/>
+          </a:prstGeom>
+          <a:noFill/>
+        </p:spPr>
+        <p:txBody>
+          <a:bodyPr wrap="none" rtlCol="0">
+            <a:spAutoFit/>
+          </a:bodyPr>
+          <a:lstStyle/>
+          <a:p>
+            <a:r>
+              <a:rPr lang="en-US" altLang="ko-KR" sz="1100" dirty="0" err="1"/>
+              <a:t>boardVo</a:t>
+            </a:r>
+            <a:endParaRPr lang="en-US" altLang="ko-KR" sz="1100" dirty="0"/>
+          </a:p>
+          <a:p>
+            <a:r>
+              <a:rPr lang="en-US" altLang="ko-KR" sz="1100" dirty="0">
+                <a:solidFill>
+                  <a:schemeClr val="bg1">
+                    <a:lumMod val="50000"/>
+                  </a:schemeClr>
+                </a:solidFill>
+              </a:rPr>
+              <a:t>0x555</a:t>
+            </a:r>
+            <a:endParaRPr lang="en-US" altLang="ko-KR" sz="1100" dirty="0"/>
+          </a:p>
+        </p:txBody>
+      </p:sp>
+      <p:sp>
+        <p:nvSpPr>
+          <p:cNvPr id="90" name="TextBox 89">
+            <a:extLst>
+              <a:ext uri="{FF2B5EF4-FFF2-40B4-BE49-F238E27FC236}">
+                <a16:creationId xmlns:a16="http://schemas.microsoft.com/office/drawing/2014/main" id="{74F4DD84-94B4-6F26-E546-C52B0E03C367}"/>
+              </a:ext>
+            </a:extLst>
+          </p:cNvPr>
+          <p:cNvSpPr txBox="1"/>
+          <p:nvPr/>
+        </p:nvSpPr>
+        <p:spPr>
+          <a:xfrm>
+            <a:off x="6742881" y="4966938"/>
+            <a:ext cx="1164101" cy="261610"/>
+          </a:xfrm>
+          <a:prstGeom prst="rect">
+            <a:avLst/>
+          </a:prstGeom>
+          <a:noFill/>
+        </p:spPr>
+        <p:txBody>
+          <a:bodyPr wrap="none" rtlCol="0">
+            <a:spAutoFit/>
+          </a:bodyPr>
+          <a:lstStyle/>
+          <a:p>
+            <a:r>
+              <a:rPr lang="en-US" altLang="ko-KR" sz="1100" dirty="0"/>
+              <a:t>write(</a:t>
+            </a:r>
+            <a:r>
+              <a:rPr lang="en-US" altLang="ko-KR" sz="1100" b="1" dirty="0" err="1">
+                <a:solidFill>
+                  <a:srgbClr val="7030A0"/>
+                </a:solidFill>
+              </a:rPr>
+              <a:t>boardVo</a:t>
+            </a:r>
+            <a:r>
+              <a:rPr lang="en-US" altLang="ko-KR" sz="1100" dirty="0"/>
+              <a:t>)</a:t>
+            </a:r>
+            <a:endParaRPr lang="ko-KR" altLang="en-US" sz="1100" dirty="0"/>
+          </a:p>
+        </p:txBody>
+      </p:sp>
+      <p:sp>
+        <p:nvSpPr>
+          <p:cNvPr id="91" name="TextBox 90">
+            <a:extLst>
+              <a:ext uri="{FF2B5EF4-FFF2-40B4-BE49-F238E27FC236}">
+                <a16:creationId xmlns:a16="http://schemas.microsoft.com/office/drawing/2014/main" id="{04ACCF4F-CCA7-7150-F9BD-9F6B081641D9}"/>
+              </a:ext>
+            </a:extLst>
+          </p:cNvPr>
+          <p:cNvSpPr txBox="1"/>
+          <p:nvPr/>
+        </p:nvSpPr>
+        <p:spPr>
+          <a:xfrm>
+            <a:off x="9148764" y="5094706"/>
+            <a:ext cx="1164101" cy="261610"/>
+          </a:xfrm>
+          <a:prstGeom prst="rect">
+            <a:avLst/>
+          </a:prstGeom>
+          <a:noFill/>
+        </p:spPr>
+        <p:txBody>
+          <a:bodyPr wrap="none" rtlCol="0">
+            <a:spAutoFit/>
+          </a:bodyPr>
+          <a:lstStyle/>
+          <a:p>
+            <a:r>
+              <a:rPr lang="en-US" altLang="ko-KR" sz="1100" dirty="0"/>
+              <a:t>write(</a:t>
+            </a:r>
+            <a:r>
+              <a:rPr lang="en-US" altLang="ko-KR" sz="1100" b="1" dirty="0" err="1">
+                <a:solidFill>
+                  <a:srgbClr val="7030A0"/>
+                </a:solidFill>
+              </a:rPr>
+              <a:t>boardVo</a:t>
+            </a:r>
+            <a:r>
+              <a:rPr lang="en-US" altLang="ko-KR" sz="1100" dirty="0"/>
+              <a:t>)</a:t>
+            </a:r>
+            <a:endParaRPr lang="ko-KR" altLang="en-US" sz="1100" dirty="0"/>
+          </a:p>
+        </p:txBody>
+      </p:sp>
+      <p:cxnSp>
+        <p:nvCxnSpPr>
+          <p:cNvPr id="92" name="직선 화살표 연결선 91">
+            <a:extLst>
+              <a:ext uri="{FF2B5EF4-FFF2-40B4-BE49-F238E27FC236}">
+                <a16:creationId xmlns:a16="http://schemas.microsoft.com/office/drawing/2014/main" id="{0ED6EC93-F79B-BF11-EEC9-D8AEEF3EE47E}"/>
+              </a:ext>
+            </a:extLst>
+          </p:cNvPr>
+          <p:cNvCxnSpPr>
+            <a:cxnSpLocks/>
+          </p:cNvCxnSpPr>
+          <p:nvPr/>
+        </p:nvCxnSpPr>
+        <p:spPr>
+          <a:xfrm flipH="1">
+            <a:off x="7718424" y="5380590"/>
+            <a:ext cx="1406234" cy="0"/>
+          </a:xfrm>
+          <a:prstGeom prst="straightConnector1">
+            <a:avLst/>
+          </a:prstGeom>
+          <a:ln w="19050">
+            <a:tailEnd type="triangle"/>
+          </a:ln>
+        </p:spPr>
+        <p:style>
+          <a:lnRef idx="1">
+            <a:schemeClr val="accent1"/>
+          </a:lnRef>
+          <a:fillRef idx="0">
+            <a:schemeClr val="accent1"/>
+          </a:fillRef>
+          <a:effectRef idx="0">
+            <a:schemeClr val="accent1"/>
+          </a:effectRef>
+          <a:fontRef idx="minor">
+            <a:schemeClr val="tx1"/>
+          </a:fontRef>
+        </p:style>
+      </p:cxnSp>
+      <p:cxnSp>
+        <p:nvCxnSpPr>
+          <p:cNvPr id="93" name="직선 화살표 연결선 92">
+            <a:extLst>
+              <a:ext uri="{FF2B5EF4-FFF2-40B4-BE49-F238E27FC236}">
+                <a16:creationId xmlns:a16="http://schemas.microsoft.com/office/drawing/2014/main" id="{FE0F73A6-6835-EC77-F161-170EEAD0C4B5}"/>
+              </a:ext>
+            </a:extLst>
+          </p:cNvPr>
+          <p:cNvCxnSpPr>
+            <a:cxnSpLocks/>
+          </p:cNvCxnSpPr>
+          <p:nvPr/>
+        </p:nvCxnSpPr>
+        <p:spPr>
+          <a:xfrm flipH="1">
+            <a:off x="5363368" y="5380590"/>
+            <a:ext cx="1406234" cy="0"/>
+          </a:xfrm>
+          <a:prstGeom prst="straightConnector1">
+            <a:avLst/>
+          </a:prstGeom>
+          <a:ln w="19050">
+            <a:tailEnd type="triangle"/>
+          </a:ln>
+        </p:spPr>
+        <p:style>
+          <a:lnRef idx="1">
+            <a:schemeClr val="accent1"/>
+          </a:lnRef>
+          <a:fillRef idx="0">
+            <a:schemeClr val="accent1"/>
+          </a:fillRef>
+          <a:effectRef idx="0">
+            <a:schemeClr val="accent1"/>
+          </a:effectRef>
+          <a:fontRef idx="minor">
+            <a:schemeClr val="tx1"/>
+          </a:fontRef>
+        </p:style>
+      </p:cxnSp>
+      <p:sp>
+        <p:nvSpPr>
+          <p:cNvPr id="94" name="TextBox 93">
+            <a:extLst>
+              <a:ext uri="{FF2B5EF4-FFF2-40B4-BE49-F238E27FC236}">
+                <a16:creationId xmlns:a16="http://schemas.microsoft.com/office/drawing/2014/main" id="{A4BA45BD-BEE2-574B-57C6-89A833894C25}"/>
+              </a:ext>
+            </a:extLst>
+          </p:cNvPr>
+          <p:cNvSpPr txBox="1"/>
+          <p:nvPr/>
+        </p:nvSpPr>
+        <p:spPr>
+          <a:xfrm>
+            <a:off x="7834148" y="5416145"/>
+            <a:ext cx="846707" cy="261610"/>
+          </a:xfrm>
+          <a:prstGeom prst="rect">
+            <a:avLst/>
+          </a:prstGeom>
+          <a:noFill/>
+        </p:spPr>
+        <p:txBody>
+          <a:bodyPr wrap="none" rtlCol="0">
+            <a:spAutoFit/>
+          </a:bodyPr>
+          <a:lstStyle/>
+          <a:p>
+            <a:r>
+              <a:rPr lang="en-US" altLang="ko-KR" sz="1100" dirty="0"/>
+              <a:t>Count = 1</a:t>
+            </a:r>
+          </a:p>
+        </p:txBody>
+      </p:sp>
+      <p:sp>
+        <p:nvSpPr>
+          <p:cNvPr id="95" name="TextBox 94">
+            <a:extLst>
+              <a:ext uri="{FF2B5EF4-FFF2-40B4-BE49-F238E27FC236}">
+                <a16:creationId xmlns:a16="http://schemas.microsoft.com/office/drawing/2014/main" id="{6F00932E-0D5C-EE90-2372-8C9E1CA8B713}"/>
+              </a:ext>
+            </a:extLst>
+          </p:cNvPr>
+          <p:cNvSpPr txBox="1"/>
+          <p:nvPr/>
+        </p:nvSpPr>
+        <p:spPr>
+          <a:xfrm>
+            <a:off x="5567262" y="5406215"/>
+            <a:ext cx="846707" cy="261610"/>
+          </a:xfrm>
+          <a:prstGeom prst="rect">
+            <a:avLst/>
+          </a:prstGeom>
+          <a:noFill/>
+        </p:spPr>
+        <p:txBody>
+          <a:bodyPr wrap="none" rtlCol="0">
+            <a:spAutoFit/>
+          </a:bodyPr>
+          <a:lstStyle/>
+          <a:p>
+            <a:r>
+              <a:rPr lang="en-US" altLang="ko-KR" sz="1100" dirty="0"/>
+              <a:t>Count = 1</a:t>
+            </a:r>
+          </a:p>
+        </p:txBody>
+      </p:sp>
+      <p:cxnSp>
+        <p:nvCxnSpPr>
+          <p:cNvPr id="96" name="직선 화살표 연결선 95">
+            <a:extLst>
+              <a:ext uri="{FF2B5EF4-FFF2-40B4-BE49-F238E27FC236}">
+                <a16:creationId xmlns:a16="http://schemas.microsoft.com/office/drawing/2014/main" id="{8FD94A30-CAA7-2C8C-8758-6FC511211727}"/>
+              </a:ext>
+            </a:extLst>
+          </p:cNvPr>
+          <p:cNvCxnSpPr>
+            <a:cxnSpLocks/>
+          </p:cNvCxnSpPr>
+          <p:nvPr/>
+        </p:nvCxnSpPr>
+        <p:spPr>
+          <a:xfrm flipH="1">
+            <a:off x="1237353" y="5405658"/>
+            <a:ext cx="3573027" cy="0"/>
+          </a:xfrm>
+          <a:prstGeom prst="straightConnector1">
+            <a:avLst/>
+          </a:prstGeom>
+          <a:ln w="19050">
+            <a:tailEnd type="triangle"/>
+          </a:ln>
+        </p:spPr>
+        <p:style>
+          <a:lnRef idx="1">
+            <a:schemeClr val="accent1"/>
+          </a:lnRef>
+          <a:fillRef idx="0">
+            <a:schemeClr val="accent1"/>
+          </a:fillRef>
+          <a:effectRef idx="0">
+            <a:schemeClr val="accent1"/>
+          </a:effectRef>
+          <a:fontRef idx="minor">
+            <a:schemeClr val="tx1"/>
+          </a:fontRef>
+        </p:style>
+      </p:cxnSp>
+      <p:cxnSp>
+        <p:nvCxnSpPr>
+          <p:cNvPr id="97" name="직선 화살표 연결선 96">
+            <a:extLst>
+              <a:ext uri="{FF2B5EF4-FFF2-40B4-BE49-F238E27FC236}">
+                <a16:creationId xmlns:a16="http://schemas.microsoft.com/office/drawing/2014/main" id="{B5DA34C1-F56C-BEA4-092C-807CBB6C5894}"/>
+              </a:ext>
+            </a:extLst>
+          </p:cNvPr>
+          <p:cNvCxnSpPr>
+            <a:cxnSpLocks/>
+          </p:cNvCxnSpPr>
+          <p:nvPr/>
+        </p:nvCxnSpPr>
+        <p:spPr>
+          <a:xfrm>
+            <a:off x="1146778" y="5576085"/>
+            <a:ext cx="337488" cy="50958"/>
+          </a:xfrm>
+          <a:prstGeom prst="straightConnector1">
+            <a:avLst/>
+          </a:prstGeom>
+          <a:ln w="19050">
+            <a:tailEnd type="triangle"/>
+          </a:ln>
+        </p:spPr>
+        <p:style>
+          <a:lnRef idx="1">
+            <a:schemeClr val="accent1"/>
+          </a:lnRef>
+          <a:fillRef idx="0">
+            <a:schemeClr val="accent1"/>
+          </a:fillRef>
+          <a:effectRef idx="0">
+            <a:schemeClr val="accent1"/>
+          </a:effectRef>
+          <a:fontRef idx="minor">
+            <a:schemeClr val="tx1"/>
+          </a:fontRef>
+        </p:style>
+      </p:cxnSp>
+      <p:sp>
+        <p:nvSpPr>
+          <p:cNvPr id="98" name="TextBox 97">
+            <a:extLst>
+              <a:ext uri="{FF2B5EF4-FFF2-40B4-BE49-F238E27FC236}">
+                <a16:creationId xmlns:a16="http://schemas.microsoft.com/office/drawing/2014/main" id="{1666207E-F743-7222-F163-8DD3D86D08A1}"/>
+              </a:ext>
+            </a:extLst>
+          </p:cNvPr>
+          <p:cNvSpPr txBox="1"/>
+          <p:nvPr/>
+        </p:nvSpPr>
+        <p:spPr>
+          <a:xfrm>
+            <a:off x="1417582" y="5627043"/>
+            <a:ext cx="966931" cy="261610"/>
+          </a:xfrm>
+          <a:prstGeom prst="rect">
+            <a:avLst/>
+          </a:prstGeom>
+          <a:noFill/>
+        </p:spPr>
+        <p:txBody>
+          <a:bodyPr wrap="none" rtlCol="0">
+            <a:spAutoFit/>
+          </a:bodyPr>
+          <a:lstStyle/>
+          <a:p>
+            <a:r>
+              <a:rPr lang="en-US" altLang="ko-KR" sz="1100" dirty="0"/>
+              <a:t>Redirect: list</a:t>
+            </a:r>
+            <a:endParaRPr lang="ko-KR" altLang="en-US" sz="1100" dirty="0"/>
           </a:p>
         </p:txBody>
       </p:sp>
